--- a/ppt 16-9/0476.福音的勇士们.pptx
+++ b/ppt 16-9/0476.福音的勇士们.pptx
@@ -5,7 +5,7 @@
     <p:sldMasterId id="2147483648" r:id="rId1"/>
   </p:sldMasterIdLst>
   <p:sldIdLst>
-    <p:sldId id="2980" r:id="rId2"/>
+    <p:sldId id="2981" r:id="rId2"/>
   </p:sldIdLst>
   <p:sldSz cx="12192000" cy="6858000"/>
   <p:notesSz cx="6858000" cy="9144000"/>
@@ -129,7 +129,7 @@
           <p:cNvPr id="2" name="标题 1">
             <a:extLst>
               <a:ext uri="{FF2B5EF4-FFF2-40B4-BE49-F238E27FC236}">
-                <a16:creationId xmlns:a16="http://schemas.microsoft.com/office/drawing/2014/main" id="{D406B0B5-8106-0FC8-CDBF-61630D226716}"/>
+                <a16:creationId xmlns:a16="http://schemas.microsoft.com/office/drawing/2014/main" id="{A4386FA4-DA4F-06EF-AB1B-8B1BF883DCED}"/>
               </a:ext>
             </a:extLst>
           </p:cNvPr>
@@ -166,7 +166,7 @@
           <p:cNvPr id="3" name="副标题 2">
             <a:extLst>
               <a:ext uri="{FF2B5EF4-FFF2-40B4-BE49-F238E27FC236}">
-                <a16:creationId xmlns:a16="http://schemas.microsoft.com/office/drawing/2014/main" id="{5639246C-AF91-31EF-0705-570864F60FCB}"/>
+                <a16:creationId xmlns:a16="http://schemas.microsoft.com/office/drawing/2014/main" id="{B8A9B237-E504-6560-C33B-DF16809E7D89}"/>
               </a:ext>
             </a:extLst>
           </p:cNvPr>
@@ -236,7 +236,7 @@
           <p:cNvPr id="4" name="日期占位符 3">
             <a:extLst>
               <a:ext uri="{FF2B5EF4-FFF2-40B4-BE49-F238E27FC236}">
-                <a16:creationId xmlns:a16="http://schemas.microsoft.com/office/drawing/2014/main" id="{E3D1CC31-4D9C-5C60-DCFF-FA5D6A20721A}"/>
+                <a16:creationId xmlns:a16="http://schemas.microsoft.com/office/drawing/2014/main" id="{C957E2F1-5574-F277-3E3C-5817CA9186E3}"/>
               </a:ext>
             </a:extLst>
           </p:cNvPr>
@@ -252,7 +252,7 @@
           <a:bodyPr/>
           <a:lstStyle/>
           <a:p>
-            <a:fld id="{1275ED0C-83DB-4BB8-BA34-EA074BD56BB2}" type="datetimeFigureOut">
+            <a:fld id="{CC5579D5-343C-4863-AC27-FA7DF0EC8208}" type="datetimeFigureOut">
               <a:rPr lang="zh-CN" altLang="en-US" smtClean="0"/>
               <a:t>2024/3/10</a:t>
             </a:fld>
@@ -265,7 +265,7 @@
           <p:cNvPr id="5" name="页脚占位符 4">
             <a:extLst>
               <a:ext uri="{FF2B5EF4-FFF2-40B4-BE49-F238E27FC236}">
-                <a16:creationId xmlns:a16="http://schemas.microsoft.com/office/drawing/2014/main" id="{35933726-771E-571F-839C-79AD938CA8C6}"/>
+                <a16:creationId xmlns:a16="http://schemas.microsoft.com/office/drawing/2014/main" id="{82603BC7-1348-6877-9D61-031537F3E4A9}"/>
               </a:ext>
             </a:extLst>
           </p:cNvPr>
@@ -290,7 +290,7 @@
           <p:cNvPr id="6" name="灯片编号占位符 5">
             <a:extLst>
               <a:ext uri="{FF2B5EF4-FFF2-40B4-BE49-F238E27FC236}">
-                <a16:creationId xmlns:a16="http://schemas.microsoft.com/office/drawing/2014/main" id="{800D4DDD-2CBB-7EBE-8654-47FA5D17CCC7}"/>
+                <a16:creationId xmlns:a16="http://schemas.microsoft.com/office/drawing/2014/main" id="{AEAA7F8B-6130-AD0F-385C-350586F5151F}"/>
               </a:ext>
             </a:extLst>
           </p:cNvPr>
@@ -306,7 +306,7 @@
           <a:bodyPr/>
           <a:lstStyle/>
           <a:p>
-            <a:fld id="{65A5D0E7-93A4-4F7F-B9CE-4E4481DB573E}" type="slidenum">
+            <a:fld id="{97263AED-3E0D-423A-A395-D79813E4DD5D}" type="slidenum">
               <a:rPr lang="zh-CN" altLang="en-US" smtClean="0"/>
               <a:t>‹#›</a:t>
             </a:fld>
@@ -317,7 +317,7 @@
     </p:spTree>
     <p:extLst>
       <p:ext uri="{BB962C8B-B14F-4D97-AF65-F5344CB8AC3E}">
-        <p14:creationId xmlns:p14="http://schemas.microsoft.com/office/powerpoint/2010/main" val="849837093"/>
+        <p14:creationId xmlns:p14="http://schemas.microsoft.com/office/powerpoint/2010/main" val="1023619251"/>
       </p:ext>
     </p:extLst>
   </p:cSld>
@@ -349,7 +349,7 @@
           <p:cNvPr id="2" name="标题 1">
             <a:extLst>
               <a:ext uri="{FF2B5EF4-FFF2-40B4-BE49-F238E27FC236}">
-                <a16:creationId xmlns:a16="http://schemas.microsoft.com/office/drawing/2014/main" id="{9F4C9491-1746-5510-5A9B-5DE5C90B34E1}"/>
+                <a16:creationId xmlns:a16="http://schemas.microsoft.com/office/drawing/2014/main" id="{DEDE0872-472E-C861-7B88-6350BBBE6A7C}"/>
               </a:ext>
             </a:extLst>
           </p:cNvPr>
@@ -377,7 +377,7 @@
           <p:cNvPr id="3" name="竖排文字占位符 2">
             <a:extLst>
               <a:ext uri="{FF2B5EF4-FFF2-40B4-BE49-F238E27FC236}">
-                <a16:creationId xmlns:a16="http://schemas.microsoft.com/office/drawing/2014/main" id="{64D7F1C3-C405-C8D3-2852-CEA1ACD71905}"/>
+                <a16:creationId xmlns:a16="http://schemas.microsoft.com/office/drawing/2014/main" id="{8A93B6E1-D45D-934B-BBDC-9286AEB30769}"/>
               </a:ext>
             </a:extLst>
           </p:cNvPr>
@@ -434,7 +434,7 @@
           <p:cNvPr id="4" name="日期占位符 3">
             <a:extLst>
               <a:ext uri="{FF2B5EF4-FFF2-40B4-BE49-F238E27FC236}">
-                <a16:creationId xmlns:a16="http://schemas.microsoft.com/office/drawing/2014/main" id="{60471291-9938-602C-1C0F-36DC6E142DBA}"/>
+                <a16:creationId xmlns:a16="http://schemas.microsoft.com/office/drawing/2014/main" id="{F729A616-EB84-7C0C-0EFE-3F17800FB039}"/>
               </a:ext>
             </a:extLst>
           </p:cNvPr>
@@ -450,7 +450,7 @@
           <a:bodyPr/>
           <a:lstStyle/>
           <a:p>
-            <a:fld id="{1275ED0C-83DB-4BB8-BA34-EA074BD56BB2}" type="datetimeFigureOut">
+            <a:fld id="{CC5579D5-343C-4863-AC27-FA7DF0EC8208}" type="datetimeFigureOut">
               <a:rPr lang="zh-CN" altLang="en-US" smtClean="0"/>
               <a:t>2024/3/10</a:t>
             </a:fld>
@@ -463,7 +463,7 @@
           <p:cNvPr id="5" name="页脚占位符 4">
             <a:extLst>
               <a:ext uri="{FF2B5EF4-FFF2-40B4-BE49-F238E27FC236}">
-                <a16:creationId xmlns:a16="http://schemas.microsoft.com/office/drawing/2014/main" id="{3E01E517-D1FD-CC1F-518B-2C2CF1DD4067}"/>
+                <a16:creationId xmlns:a16="http://schemas.microsoft.com/office/drawing/2014/main" id="{FAD34DC1-5134-2D37-B30D-FAF660CFB938}"/>
               </a:ext>
             </a:extLst>
           </p:cNvPr>
@@ -488,7 +488,7 @@
           <p:cNvPr id="6" name="灯片编号占位符 5">
             <a:extLst>
               <a:ext uri="{FF2B5EF4-FFF2-40B4-BE49-F238E27FC236}">
-                <a16:creationId xmlns:a16="http://schemas.microsoft.com/office/drawing/2014/main" id="{6E5C3D7F-126C-EA6A-FA07-2AA3101CA6BF}"/>
+                <a16:creationId xmlns:a16="http://schemas.microsoft.com/office/drawing/2014/main" id="{827D75B8-0F17-7D0B-1B96-40ED885C6353}"/>
               </a:ext>
             </a:extLst>
           </p:cNvPr>
@@ -504,7 +504,7 @@
           <a:bodyPr/>
           <a:lstStyle/>
           <a:p>
-            <a:fld id="{65A5D0E7-93A4-4F7F-B9CE-4E4481DB573E}" type="slidenum">
+            <a:fld id="{97263AED-3E0D-423A-A395-D79813E4DD5D}" type="slidenum">
               <a:rPr lang="zh-CN" altLang="en-US" smtClean="0"/>
               <a:t>‹#›</a:t>
             </a:fld>
@@ -515,7 +515,7 @@
     </p:spTree>
     <p:extLst>
       <p:ext uri="{BB962C8B-B14F-4D97-AF65-F5344CB8AC3E}">
-        <p14:creationId xmlns:p14="http://schemas.microsoft.com/office/powerpoint/2010/main" val="2669865594"/>
+        <p14:creationId xmlns:p14="http://schemas.microsoft.com/office/powerpoint/2010/main" val="2272806914"/>
       </p:ext>
     </p:extLst>
   </p:cSld>
@@ -547,7 +547,7 @@
           <p:cNvPr id="2" name="竖排标题 1">
             <a:extLst>
               <a:ext uri="{FF2B5EF4-FFF2-40B4-BE49-F238E27FC236}">
-                <a16:creationId xmlns:a16="http://schemas.microsoft.com/office/drawing/2014/main" id="{18D47054-FE07-8D6E-F238-719A2B0F1DE7}"/>
+                <a16:creationId xmlns:a16="http://schemas.microsoft.com/office/drawing/2014/main" id="{E7A408CA-4990-11C8-0278-FF2306AFC408}"/>
               </a:ext>
             </a:extLst>
           </p:cNvPr>
@@ -580,7 +580,7 @@
           <p:cNvPr id="3" name="竖排文字占位符 2">
             <a:extLst>
               <a:ext uri="{FF2B5EF4-FFF2-40B4-BE49-F238E27FC236}">
-                <a16:creationId xmlns:a16="http://schemas.microsoft.com/office/drawing/2014/main" id="{3426E942-23F4-8C69-6075-6656AD84BE28}"/>
+                <a16:creationId xmlns:a16="http://schemas.microsoft.com/office/drawing/2014/main" id="{5C767F9E-4554-B917-8B34-119AF740E65D}"/>
               </a:ext>
             </a:extLst>
           </p:cNvPr>
@@ -642,7 +642,7 @@
           <p:cNvPr id="4" name="日期占位符 3">
             <a:extLst>
               <a:ext uri="{FF2B5EF4-FFF2-40B4-BE49-F238E27FC236}">
-                <a16:creationId xmlns:a16="http://schemas.microsoft.com/office/drawing/2014/main" id="{AB5C0650-1521-7CB0-BF0B-C677C1B5645C}"/>
+                <a16:creationId xmlns:a16="http://schemas.microsoft.com/office/drawing/2014/main" id="{14755D4A-13A9-6707-4359-7A836F986221}"/>
               </a:ext>
             </a:extLst>
           </p:cNvPr>
@@ -658,7 +658,7 @@
           <a:bodyPr/>
           <a:lstStyle/>
           <a:p>
-            <a:fld id="{1275ED0C-83DB-4BB8-BA34-EA074BD56BB2}" type="datetimeFigureOut">
+            <a:fld id="{CC5579D5-343C-4863-AC27-FA7DF0EC8208}" type="datetimeFigureOut">
               <a:rPr lang="zh-CN" altLang="en-US" smtClean="0"/>
               <a:t>2024/3/10</a:t>
             </a:fld>
@@ -671,7 +671,7 @@
           <p:cNvPr id="5" name="页脚占位符 4">
             <a:extLst>
               <a:ext uri="{FF2B5EF4-FFF2-40B4-BE49-F238E27FC236}">
-                <a16:creationId xmlns:a16="http://schemas.microsoft.com/office/drawing/2014/main" id="{61B19ED4-54C1-E8CD-D13F-5B05B578D4DE}"/>
+                <a16:creationId xmlns:a16="http://schemas.microsoft.com/office/drawing/2014/main" id="{014DF10F-E935-8D85-E35D-6CE36E477EF8}"/>
               </a:ext>
             </a:extLst>
           </p:cNvPr>
@@ -696,7 +696,7 @@
           <p:cNvPr id="6" name="灯片编号占位符 5">
             <a:extLst>
               <a:ext uri="{FF2B5EF4-FFF2-40B4-BE49-F238E27FC236}">
-                <a16:creationId xmlns:a16="http://schemas.microsoft.com/office/drawing/2014/main" id="{2BDF815C-425C-9A26-8B0A-AC9AB6B3C6D5}"/>
+                <a16:creationId xmlns:a16="http://schemas.microsoft.com/office/drawing/2014/main" id="{A6B9E1D5-AFB0-BAB5-6340-ED7F523B3DC3}"/>
               </a:ext>
             </a:extLst>
           </p:cNvPr>
@@ -712,7 +712,7 @@
           <a:bodyPr/>
           <a:lstStyle/>
           <a:p>
-            <a:fld id="{65A5D0E7-93A4-4F7F-B9CE-4E4481DB573E}" type="slidenum">
+            <a:fld id="{97263AED-3E0D-423A-A395-D79813E4DD5D}" type="slidenum">
               <a:rPr lang="zh-CN" altLang="en-US" smtClean="0"/>
               <a:t>‹#›</a:t>
             </a:fld>
@@ -723,7 +723,7 @@
     </p:spTree>
     <p:extLst>
       <p:ext uri="{BB962C8B-B14F-4D97-AF65-F5344CB8AC3E}">
-        <p14:creationId xmlns:p14="http://schemas.microsoft.com/office/powerpoint/2010/main" val="705408140"/>
+        <p14:creationId xmlns:p14="http://schemas.microsoft.com/office/powerpoint/2010/main" val="1546067343"/>
       </p:ext>
     </p:extLst>
   </p:cSld>
@@ -755,7 +755,7 @@
           <p:cNvPr id="2" name="标题 1">
             <a:extLst>
               <a:ext uri="{FF2B5EF4-FFF2-40B4-BE49-F238E27FC236}">
-                <a16:creationId xmlns:a16="http://schemas.microsoft.com/office/drawing/2014/main" id="{D4C4EC78-8A51-C686-30EB-F7F02DCCE04A}"/>
+                <a16:creationId xmlns:a16="http://schemas.microsoft.com/office/drawing/2014/main" id="{33A11226-6111-9AE0-1874-90020C6CC927}"/>
               </a:ext>
             </a:extLst>
           </p:cNvPr>
@@ -783,7 +783,7 @@
           <p:cNvPr id="3" name="内容占位符 2">
             <a:extLst>
               <a:ext uri="{FF2B5EF4-FFF2-40B4-BE49-F238E27FC236}">
-                <a16:creationId xmlns:a16="http://schemas.microsoft.com/office/drawing/2014/main" id="{82BFCDB7-72F8-A255-D853-5A8328AC5DEB}"/>
+                <a16:creationId xmlns:a16="http://schemas.microsoft.com/office/drawing/2014/main" id="{348CBC95-4980-4C62-D6CC-850147DDEE64}"/>
               </a:ext>
             </a:extLst>
           </p:cNvPr>
@@ -840,7 +840,7 @@
           <p:cNvPr id="4" name="日期占位符 3">
             <a:extLst>
               <a:ext uri="{FF2B5EF4-FFF2-40B4-BE49-F238E27FC236}">
-                <a16:creationId xmlns:a16="http://schemas.microsoft.com/office/drawing/2014/main" id="{D9BE73CA-C410-94F3-DA6F-49425E2B8FF8}"/>
+                <a16:creationId xmlns:a16="http://schemas.microsoft.com/office/drawing/2014/main" id="{1E4A296E-55A9-9F00-9D3C-DA4E4C33AB16}"/>
               </a:ext>
             </a:extLst>
           </p:cNvPr>
@@ -856,7 +856,7 @@
           <a:bodyPr/>
           <a:lstStyle/>
           <a:p>
-            <a:fld id="{1275ED0C-83DB-4BB8-BA34-EA074BD56BB2}" type="datetimeFigureOut">
+            <a:fld id="{CC5579D5-343C-4863-AC27-FA7DF0EC8208}" type="datetimeFigureOut">
               <a:rPr lang="zh-CN" altLang="en-US" smtClean="0"/>
               <a:t>2024/3/10</a:t>
             </a:fld>
@@ -869,7 +869,7 @@
           <p:cNvPr id="5" name="页脚占位符 4">
             <a:extLst>
               <a:ext uri="{FF2B5EF4-FFF2-40B4-BE49-F238E27FC236}">
-                <a16:creationId xmlns:a16="http://schemas.microsoft.com/office/drawing/2014/main" id="{49169D27-D56E-548C-FD11-4EBCA1A9B253}"/>
+                <a16:creationId xmlns:a16="http://schemas.microsoft.com/office/drawing/2014/main" id="{3CD68D02-2681-2A2A-9D35-1BCFE570A4E7}"/>
               </a:ext>
             </a:extLst>
           </p:cNvPr>
@@ -894,7 +894,7 @@
           <p:cNvPr id="6" name="灯片编号占位符 5">
             <a:extLst>
               <a:ext uri="{FF2B5EF4-FFF2-40B4-BE49-F238E27FC236}">
-                <a16:creationId xmlns:a16="http://schemas.microsoft.com/office/drawing/2014/main" id="{7F50F91A-4400-AB42-8440-64093547BF6B}"/>
+                <a16:creationId xmlns:a16="http://schemas.microsoft.com/office/drawing/2014/main" id="{8F1C977E-32E4-5C7A-4F3F-EEF0B899C10C}"/>
               </a:ext>
             </a:extLst>
           </p:cNvPr>
@@ -910,7 +910,7 @@
           <a:bodyPr/>
           <a:lstStyle/>
           <a:p>
-            <a:fld id="{65A5D0E7-93A4-4F7F-B9CE-4E4481DB573E}" type="slidenum">
+            <a:fld id="{97263AED-3E0D-423A-A395-D79813E4DD5D}" type="slidenum">
               <a:rPr lang="zh-CN" altLang="en-US" smtClean="0"/>
               <a:t>‹#›</a:t>
             </a:fld>
@@ -921,7 +921,7 @@
     </p:spTree>
     <p:extLst>
       <p:ext uri="{BB962C8B-B14F-4D97-AF65-F5344CB8AC3E}">
-        <p14:creationId xmlns:p14="http://schemas.microsoft.com/office/powerpoint/2010/main" val="3176145404"/>
+        <p14:creationId xmlns:p14="http://schemas.microsoft.com/office/powerpoint/2010/main" val="1866153560"/>
       </p:ext>
     </p:extLst>
   </p:cSld>
@@ -953,7 +953,7 @@
           <p:cNvPr id="2" name="标题 1">
             <a:extLst>
               <a:ext uri="{FF2B5EF4-FFF2-40B4-BE49-F238E27FC236}">
-                <a16:creationId xmlns:a16="http://schemas.microsoft.com/office/drawing/2014/main" id="{AE62900C-AA68-7B54-900C-04CBACC3CE65}"/>
+                <a16:creationId xmlns:a16="http://schemas.microsoft.com/office/drawing/2014/main" id="{DE377ADF-10C6-42AB-9C21-B2575E7DD686}"/>
               </a:ext>
             </a:extLst>
           </p:cNvPr>
@@ -990,7 +990,7 @@
           <p:cNvPr id="3" name="文本占位符 2">
             <a:extLst>
               <a:ext uri="{FF2B5EF4-FFF2-40B4-BE49-F238E27FC236}">
-                <a16:creationId xmlns:a16="http://schemas.microsoft.com/office/drawing/2014/main" id="{01D9BA70-0E9B-6904-D7B6-9DB61E60A388}"/>
+                <a16:creationId xmlns:a16="http://schemas.microsoft.com/office/drawing/2014/main" id="{AF947BA6-5E84-319B-E10D-31D149A6DD9C}"/>
               </a:ext>
             </a:extLst>
           </p:cNvPr>
@@ -1115,7 +1115,7 @@
           <p:cNvPr id="4" name="日期占位符 3">
             <a:extLst>
               <a:ext uri="{FF2B5EF4-FFF2-40B4-BE49-F238E27FC236}">
-                <a16:creationId xmlns:a16="http://schemas.microsoft.com/office/drawing/2014/main" id="{1764936A-92A1-756B-37A5-8DEA49E62F60}"/>
+                <a16:creationId xmlns:a16="http://schemas.microsoft.com/office/drawing/2014/main" id="{051DF0F7-31C0-F9D1-BF6B-6378392DEC1E}"/>
               </a:ext>
             </a:extLst>
           </p:cNvPr>
@@ -1131,7 +1131,7 @@
           <a:bodyPr/>
           <a:lstStyle/>
           <a:p>
-            <a:fld id="{1275ED0C-83DB-4BB8-BA34-EA074BD56BB2}" type="datetimeFigureOut">
+            <a:fld id="{CC5579D5-343C-4863-AC27-FA7DF0EC8208}" type="datetimeFigureOut">
               <a:rPr lang="zh-CN" altLang="en-US" smtClean="0"/>
               <a:t>2024/3/10</a:t>
             </a:fld>
@@ -1144,7 +1144,7 @@
           <p:cNvPr id="5" name="页脚占位符 4">
             <a:extLst>
               <a:ext uri="{FF2B5EF4-FFF2-40B4-BE49-F238E27FC236}">
-                <a16:creationId xmlns:a16="http://schemas.microsoft.com/office/drawing/2014/main" id="{AB526F39-8261-21B8-ABB9-C9C3BB11DA4D}"/>
+                <a16:creationId xmlns:a16="http://schemas.microsoft.com/office/drawing/2014/main" id="{B6D857AD-2422-C1EA-990F-4B3655296F79}"/>
               </a:ext>
             </a:extLst>
           </p:cNvPr>
@@ -1169,7 +1169,7 @@
           <p:cNvPr id="6" name="灯片编号占位符 5">
             <a:extLst>
               <a:ext uri="{FF2B5EF4-FFF2-40B4-BE49-F238E27FC236}">
-                <a16:creationId xmlns:a16="http://schemas.microsoft.com/office/drawing/2014/main" id="{4A0FC353-6720-1F13-4913-10FD99470E82}"/>
+                <a16:creationId xmlns:a16="http://schemas.microsoft.com/office/drawing/2014/main" id="{BC0634E3-93F7-24CB-CCCE-8EEB1B2E9D17}"/>
               </a:ext>
             </a:extLst>
           </p:cNvPr>
@@ -1185,7 +1185,7 @@
           <a:bodyPr/>
           <a:lstStyle/>
           <a:p>
-            <a:fld id="{65A5D0E7-93A4-4F7F-B9CE-4E4481DB573E}" type="slidenum">
+            <a:fld id="{97263AED-3E0D-423A-A395-D79813E4DD5D}" type="slidenum">
               <a:rPr lang="zh-CN" altLang="en-US" smtClean="0"/>
               <a:t>‹#›</a:t>
             </a:fld>
@@ -1196,7 +1196,7 @@
     </p:spTree>
     <p:extLst>
       <p:ext uri="{BB962C8B-B14F-4D97-AF65-F5344CB8AC3E}">
-        <p14:creationId xmlns:p14="http://schemas.microsoft.com/office/powerpoint/2010/main" val="1551109798"/>
+        <p14:creationId xmlns:p14="http://schemas.microsoft.com/office/powerpoint/2010/main" val="674335833"/>
       </p:ext>
     </p:extLst>
   </p:cSld>
@@ -1228,7 +1228,7 @@
           <p:cNvPr id="2" name="标题 1">
             <a:extLst>
               <a:ext uri="{FF2B5EF4-FFF2-40B4-BE49-F238E27FC236}">
-                <a16:creationId xmlns:a16="http://schemas.microsoft.com/office/drawing/2014/main" id="{E29BEF78-2595-D813-2911-3E41DB31B7BA}"/>
+                <a16:creationId xmlns:a16="http://schemas.microsoft.com/office/drawing/2014/main" id="{03EDEC42-9BDD-35E5-0954-E96E033E3CE2}"/>
               </a:ext>
             </a:extLst>
           </p:cNvPr>
@@ -1256,7 +1256,7 @@
           <p:cNvPr id="3" name="内容占位符 2">
             <a:extLst>
               <a:ext uri="{FF2B5EF4-FFF2-40B4-BE49-F238E27FC236}">
-                <a16:creationId xmlns:a16="http://schemas.microsoft.com/office/drawing/2014/main" id="{CB5F4CF4-1660-71BA-87B3-43B4E3AAFD1D}"/>
+                <a16:creationId xmlns:a16="http://schemas.microsoft.com/office/drawing/2014/main" id="{34D61B32-A47E-415B-901A-09B2811F357E}"/>
               </a:ext>
             </a:extLst>
           </p:cNvPr>
@@ -1318,7 +1318,7 @@
           <p:cNvPr id="4" name="内容占位符 3">
             <a:extLst>
               <a:ext uri="{FF2B5EF4-FFF2-40B4-BE49-F238E27FC236}">
-                <a16:creationId xmlns:a16="http://schemas.microsoft.com/office/drawing/2014/main" id="{CA2BE214-43A7-BDF6-3DCD-E0ADC10A7336}"/>
+                <a16:creationId xmlns:a16="http://schemas.microsoft.com/office/drawing/2014/main" id="{60D5079B-497B-E038-F9CF-78415EBE51BA}"/>
               </a:ext>
             </a:extLst>
           </p:cNvPr>
@@ -1380,7 +1380,7 @@
           <p:cNvPr id="5" name="日期占位符 4">
             <a:extLst>
               <a:ext uri="{FF2B5EF4-FFF2-40B4-BE49-F238E27FC236}">
-                <a16:creationId xmlns:a16="http://schemas.microsoft.com/office/drawing/2014/main" id="{7184312A-8A9E-99B1-2E4B-1ED6BEBFF02A}"/>
+                <a16:creationId xmlns:a16="http://schemas.microsoft.com/office/drawing/2014/main" id="{FE470F2B-CC60-CF74-1D0E-A6738BF05A37}"/>
               </a:ext>
             </a:extLst>
           </p:cNvPr>
@@ -1396,7 +1396,7 @@
           <a:bodyPr/>
           <a:lstStyle/>
           <a:p>
-            <a:fld id="{1275ED0C-83DB-4BB8-BA34-EA074BD56BB2}" type="datetimeFigureOut">
+            <a:fld id="{CC5579D5-343C-4863-AC27-FA7DF0EC8208}" type="datetimeFigureOut">
               <a:rPr lang="zh-CN" altLang="en-US" smtClean="0"/>
               <a:t>2024/3/10</a:t>
             </a:fld>
@@ -1409,7 +1409,7 @@
           <p:cNvPr id="6" name="页脚占位符 5">
             <a:extLst>
               <a:ext uri="{FF2B5EF4-FFF2-40B4-BE49-F238E27FC236}">
-                <a16:creationId xmlns:a16="http://schemas.microsoft.com/office/drawing/2014/main" id="{BAE81102-2C46-4AF9-DC13-A2C8894FED62}"/>
+                <a16:creationId xmlns:a16="http://schemas.microsoft.com/office/drawing/2014/main" id="{B6F99DA1-DF9D-455A-76AB-17798005295C}"/>
               </a:ext>
             </a:extLst>
           </p:cNvPr>
@@ -1434,7 +1434,7 @@
           <p:cNvPr id="7" name="灯片编号占位符 6">
             <a:extLst>
               <a:ext uri="{FF2B5EF4-FFF2-40B4-BE49-F238E27FC236}">
-                <a16:creationId xmlns:a16="http://schemas.microsoft.com/office/drawing/2014/main" id="{092E0534-9D90-C66E-7B61-00260D62EB7B}"/>
+                <a16:creationId xmlns:a16="http://schemas.microsoft.com/office/drawing/2014/main" id="{CC2448FA-B875-B810-767E-4754BB72EDD3}"/>
               </a:ext>
             </a:extLst>
           </p:cNvPr>
@@ -1450,7 +1450,7 @@
           <a:bodyPr/>
           <a:lstStyle/>
           <a:p>
-            <a:fld id="{65A5D0E7-93A4-4F7F-B9CE-4E4481DB573E}" type="slidenum">
+            <a:fld id="{97263AED-3E0D-423A-A395-D79813E4DD5D}" type="slidenum">
               <a:rPr lang="zh-CN" altLang="en-US" smtClean="0"/>
               <a:t>‹#›</a:t>
             </a:fld>
@@ -1461,7 +1461,7 @@
     </p:spTree>
     <p:extLst>
       <p:ext uri="{BB962C8B-B14F-4D97-AF65-F5344CB8AC3E}">
-        <p14:creationId xmlns:p14="http://schemas.microsoft.com/office/powerpoint/2010/main" val="937109372"/>
+        <p14:creationId xmlns:p14="http://schemas.microsoft.com/office/powerpoint/2010/main" val="3895356037"/>
       </p:ext>
     </p:extLst>
   </p:cSld>
@@ -1493,7 +1493,7 @@
           <p:cNvPr id="2" name="标题 1">
             <a:extLst>
               <a:ext uri="{FF2B5EF4-FFF2-40B4-BE49-F238E27FC236}">
-                <a16:creationId xmlns:a16="http://schemas.microsoft.com/office/drawing/2014/main" id="{D6ACB3A3-DD26-970F-B832-8E75B89C5B78}"/>
+                <a16:creationId xmlns:a16="http://schemas.microsoft.com/office/drawing/2014/main" id="{24CB0E7B-0E9E-76C1-39CE-B8D045E38E2D}"/>
               </a:ext>
             </a:extLst>
           </p:cNvPr>
@@ -1526,7 +1526,7 @@
           <p:cNvPr id="3" name="文本占位符 2">
             <a:extLst>
               <a:ext uri="{FF2B5EF4-FFF2-40B4-BE49-F238E27FC236}">
-                <a16:creationId xmlns:a16="http://schemas.microsoft.com/office/drawing/2014/main" id="{E0DCAE3C-0118-F729-3A74-481A57DFE111}"/>
+                <a16:creationId xmlns:a16="http://schemas.microsoft.com/office/drawing/2014/main" id="{E8894B29-6EE9-0C15-7B36-EA04D3C6947F}"/>
               </a:ext>
             </a:extLst>
           </p:cNvPr>
@@ -1597,7 +1597,7 @@
           <p:cNvPr id="4" name="内容占位符 3">
             <a:extLst>
               <a:ext uri="{FF2B5EF4-FFF2-40B4-BE49-F238E27FC236}">
-                <a16:creationId xmlns:a16="http://schemas.microsoft.com/office/drawing/2014/main" id="{2596C806-0C7E-FB6E-EB2B-1DEBFDA4C4A5}"/>
+                <a16:creationId xmlns:a16="http://schemas.microsoft.com/office/drawing/2014/main" id="{A2D36E13-BB1E-00B7-EA22-6F04FA885906}"/>
               </a:ext>
             </a:extLst>
           </p:cNvPr>
@@ -1659,7 +1659,7 @@
           <p:cNvPr id="5" name="文本占位符 4">
             <a:extLst>
               <a:ext uri="{FF2B5EF4-FFF2-40B4-BE49-F238E27FC236}">
-                <a16:creationId xmlns:a16="http://schemas.microsoft.com/office/drawing/2014/main" id="{E6A1C745-4545-B240-D36E-C45E37CC5B0C}"/>
+                <a16:creationId xmlns:a16="http://schemas.microsoft.com/office/drawing/2014/main" id="{2DCAB52E-2EAC-95F9-8E52-1F324CC90179}"/>
               </a:ext>
             </a:extLst>
           </p:cNvPr>
@@ -1730,7 +1730,7 @@
           <p:cNvPr id="6" name="内容占位符 5">
             <a:extLst>
               <a:ext uri="{FF2B5EF4-FFF2-40B4-BE49-F238E27FC236}">
-                <a16:creationId xmlns:a16="http://schemas.microsoft.com/office/drawing/2014/main" id="{E833315E-AD84-3C1B-BC77-E99189BC8AA3}"/>
+                <a16:creationId xmlns:a16="http://schemas.microsoft.com/office/drawing/2014/main" id="{AC4BA9F8-B13B-E7F1-4820-D178712B0183}"/>
               </a:ext>
             </a:extLst>
           </p:cNvPr>
@@ -1792,7 +1792,7 @@
           <p:cNvPr id="7" name="日期占位符 6">
             <a:extLst>
               <a:ext uri="{FF2B5EF4-FFF2-40B4-BE49-F238E27FC236}">
-                <a16:creationId xmlns:a16="http://schemas.microsoft.com/office/drawing/2014/main" id="{BEC60DC4-CEC7-98E3-33D9-601B6C793EE0}"/>
+                <a16:creationId xmlns:a16="http://schemas.microsoft.com/office/drawing/2014/main" id="{1D30D9E2-522B-6022-EBF1-4697026965C4}"/>
               </a:ext>
             </a:extLst>
           </p:cNvPr>
@@ -1808,7 +1808,7 @@
           <a:bodyPr/>
           <a:lstStyle/>
           <a:p>
-            <a:fld id="{1275ED0C-83DB-4BB8-BA34-EA074BD56BB2}" type="datetimeFigureOut">
+            <a:fld id="{CC5579D5-343C-4863-AC27-FA7DF0EC8208}" type="datetimeFigureOut">
               <a:rPr lang="zh-CN" altLang="en-US" smtClean="0"/>
               <a:t>2024/3/10</a:t>
             </a:fld>
@@ -1821,7 +1821,7 @@
           <p:cNvPr id="8" name="页脚占位符 7">
             <a:extLst>
               <a:ext uri="{FF2B5EF4-FFF2-40B4-BE49-F238E27FC236}">
-                <a16:creationId xmlns:a16="http://schemas.microsoft.com/office/drawing/2014/main" id="{15E3EA08-F9DA-C71B-F7B3-5BE5074EE8F5}"/>
+                <a16:creationId xmlns:a16="http://schemas.microsoft.com/office/drawing/2014/main" id="{E5BD22D9-F573-80F2-7D92-15EC92FB640C}"/>
               </a:ext>
             </a:extLst>
           </p:cNvPr>
@@ -1846,7 +1846,7 @@
           <p:cNvPr id="9" name="灯片编号占位符 8">
             <a:extLst>
               <a:ext uri="{FF2B5EF4-FFF2-40B4-BE49-F238E27FC236}">
-                <a16:creationId xmlns:a16="http://schemas.microsoft.com/office/drawing/2014/main" id="{EF29F6F9-6270-2B5A-B907-784FAD25C0D0}"/>
+                <a16:creationId xmlns:a16="http://schemas.microsoft.com/office/drawing/2014/main" id="{A302844E-FA07-C65B-CA2B-06A6EF94E37B}"/>
               </a:ext>
             </a:extLst>
           </p:cNvPr>
@@ -1862,7 +1862,7 @@
           <a:bodyPr/>
           <a:lstStyle/>
           <a:p>
-            <a:fld id="{65A5D0E7-93A4-4F7F-B9CE-4E4481DB573E}" type="slidenum">
+            <a:fld id="{97263AED-3E0D-423A-A395-D79813E4DD5D}" type="slidenum">
               <a:rPr lang="zh-CN" altLang="en-US" smtClean="0"/>
               <a:t>‹#›</a:t>
             </a:fld>
@@ -1873,7 +1873,7 @@
     </p:spTree>
     <p:extLst>
       <p:ext uri="{BB962C8B-B14F-4D97-AF65-F5344CB8AC3E}">
-        <p14:creationId xmlns:p14="http://schemas.microsoft.com/office/powerpoint/2010/main" val="3037955222"/>
+        <p14:creationId xmlns:p14="http://schemas.microsoft.com/office/powerpoint/2010/main" val="1675486588"/>
       </p:ext>
     </p:extLst>
   </p:cSld>
@@ -1905,7 +1905,7 @@
           <p:cNvPr id="2" name="标题 1">
             <a:extLst>
               <a:ext uri="{FF2B5EF4-FFF2-40B4-BE49-F238E27FC236}">
-                <a16:creationId xmlns:a16="http://schemas.microsoft.com/office/drawing/2014/main" id="{BE5B1C1F-81CC-851D-D670-ABFDA88CA00C}"/>
+                <a16:creationId xmlns:a16="http://schemas.microsoft.com/office/drawing/2014/main" id="{EED4E76E-DFB2-60F8-CE81-651AE764F97F}"/>
               </a:ext>
             </a:extLst>
           </p:cNvPr>
@@ -1933,7 +1933,7 @@
           <p:cNvPr id="3" name="日期占位符 2">
             <a:extLst>
               <a:ext uri="{FF2B5EF4-FFF2-40B4-BE49-F238E27FC236}">
-                <a16:creationId xmlns:a16="http://schemas.microsoft.com/office/drawing/2014/main" id="{8E2BFC75-02F7-3EA6-C217-7E28F629FECC}"/>
+                <a16:creationId xmlns:a16="http://schemas.microsoft.com/office/drawing/2014/main" id="{077B158F-4A86-A0B1-A4F1-EE2EA36B07E5}"/>
               </a:ext>
             </a:extLst>
           </p:cNvPr>
@@ -1949,7 +1949,7 @@
           <a:bodyPr/>
           <a:lstStyle/>
           <a:p>
-            <a:fld id="{1275ED0C-83DB-4BB8-BA34-EA074BD56BB2}" type="datetimeFigureOut">
+            <a:fld id="{CC5579D5-343C-4863-AC27-FA7DF0EC8208}" type="datetimeFigureOut">
               <a:rPr lang="zh-CN" altLang="en-US" smtClean="0"/>
               <a:t>2024/3/10</a:t>
             </a:fld>
@@ -1962,7 +1962,7 @@
           <p:cNvPr id="4" name="页脚占位符 3">
             <a:extLst>
               <a:ext uri="{FF2B5EF4-FFF2-40B4-BE49-F238E27FC236}">
-                <a16:creationId xmlns:a16="http://schemas.microsoft.com/office/drawing/2014/main" id="{A9DDD33D-6138-0040-9324-D589E05D58CE}"/>
+                <a16:creationId xmlns:a16="http://schemas.microsoft.com/office/drawing/2014/main" id="{1276A5F1-E009-DBBE-FF4E-1AB6BB61C84B}"/>
               </a:ext>
             </a:extLst>
           </p:cNvPr>
@@ -1987,7 +1987,7 @@
           <p:cNvPr id="5" name="灯片编号占位符 4">
             <a:extLst>
               <a:ext uri="{FF2B5EF4-FFF2-40B4-BE49-F238E27FC236}">
-                <a16:creationId xmlns:a16="http://schemas.microsoft.com/office/drawing/2014/main" id="{738538A3-2471-FE29-EA19-71513423916C}"/>
+                <a16:creationId xmlns:a16="http://schemas.microsoft.com/office/drawing/2014/main" id="{0D52ADE0-2B75-FF31-307F-7FB2265A5CCB}"/>
               </a:ext>
             </a:extLst>
           </p:cNvPr>
@@ -2003,7 +2003,7 @@
           <a:bodyPr/>
           <a:lstStyle/>
           <a:p>
-            <a:fld id="{65A5D0E7-93A4-4F7F-B9CE-4E4481DB573E}" type="slidenum">
+            <a:fld id="{97263AED-3E0D-423A-A395-D79813E4DD5D}" type="slidenum">
               <a:rPr lang="zh-CN" altLang="en-US" smtClean="0"/>
               <a:t>‹#›</a:t>
             </a:fld>
@@ -2014,7 +2014,7 @@
     </p:spTree>
     <p:extLst>
       <p:ext uri="{BB962C8B-B14F-4D97-AF65-F5344CB8AC3E}">
-        <p14:creationId xmlns:p14="http://schemas.microsoft.com/office/powerpoint/2010/main" val="3495950011"/>
+        <p14:creationId xmlns:p14="http://schemas.microsoft.com/office/powerpoint/2010/main" val="1322757068"/>
       </p:ext>
     </p:extLst>
   </p:cSld>
@@ -2046,7 +2046,7 @@
           <p:cNvPr id="2" name="日期占位符 1">
             <a:extLst>
               <a:ext uri="{FF2B5EF4-FFF2-40B4-BE49-F238E27FC236}">
-                <a16:creationId xmlns:a16="http://schemas.microsoft.com/office/drawing/2014/main" id="{AB3D9ABA-3827-73C0-83A3-FD8B340CD950}"/>
+                <a16:creationId xmlns:a16="http://schemas.microsoft.com/office/drawing/2014/main" id="{E9BCF543-8DA0-27B4-B27C-92D6CB3ABA8D}"/>
               </a:ext>
             </a:extLst>
           </p:cNvPr>
@@ -2062,7 +2062,7 @@
           <a:bodyPr/>
           <a:lstStyle/>
           <a:p>
-            <a:fld id="{1275ED0C-83DB-4BB8-BA34-EA074BD56BB2}" type="datetimeFigureOut">
+            <a:fld id="{CC5579D5-343C-4863-AC27-FA7DF0EC8208}" type="datetimeFigureOut">
               <a:rPr lang="zh-CN" altLang="en-US" smtClean="0"/>
               <a:t>2024/3/10</a:t>
             </a:fld>
@@ -2075,7 +2075,7 @@
           <p:cNvPr id="3" name="页脚占位符 2">
             <a:extLst>
               <a:ext uri="{FF2B5EF4-FFF2-40B4-BE49-F238E27FC236}">
-                <a16:creationId xmlns:a16="http://schemas.microsoft.com/office/drawing/2014/main" id="{DA17B0CC-78AF-D2CD-08E3-5470B4572D8E}"/>
+                <a16:creationId xmlns:a16="http://schemas.microsoft.com/office/drawing/2014/main" id="{3812E15C-2F05-7E4C-812F-61640F8EAC37}"/>
               </a:ext>
             </a:extLst>
           </p:cNvPr>
@@ -2100,7 +2100,7 @@
           <p:cNvPr id="4" name="灯片编号占位符 3">
             <a:extLst>
               <a:ext uri="{FF2B5EF4-FFF2-40B4-BE49-F238E27FC236}">
-                <a16:creationId xmlns:a16="http://schemas.microsoft.com/office/drawing/2014/main" id="{6707A622-8FCB-E5D3-DEB9-87A1DF424C9C}"/>
+                <a16:creationId xmlns:a16="http://schemas.microsoft.com/office/drawing/2014/main" id="{F0A8C584-5262-47B7-2BB9-06A24ECF2BBB}"/>
               </a:ext>
             </a:extLst>
           </p:cNvPr>
@@ -2116,7 +2116,7 @@
           <a:bodyPr/>
           <a:lstStyle/>
           <a:p>
-            <a:fld id="{65A5D0E7-93A4-4F7F-B9CE-4E4481DB573E}" type="slidenum">
+            <a:fld id="{97263AED-3E0D-423A-A395-D79813E4DD5D}" type="slidenum">
               <a:rPr lang="zh-CN" altLang="en-US" smtClean="0"/>
               <a:t>‹#›</a:t>
             </a:fld>
@@ -2127,7 +2127,7 @@
     </p:spTree>
     <p:extLst>
       <p:ext uri="{BB962C8B-B14F-4D97-AF65-F5344CB8AC3E}">
-        <p14:creationId xmlns:p14="http://schemas.microsoft.com/office/powerpoint/2010/main" val="594502543"/>
+        <p14:creationId xmlns:p14="http://schemas.microsoft.com/office/powerpoint/2010/main" val="1858282584"/>
       </p:ext>
     </p:extLst>
   </p:cSld>
@@ -2159,7 +2159,7 @@
           <p:cNvPr id="2" name="标题 1">
             <a:extLst>
               <a:ext uri="{FF2B5EF4-FFF2-40B4-BE49-F238E27FC236}">
-                <a16:creationId xmlns:a16="http://schemas.microsoft.com/office/drawing/2014/main" id="{869E2E3F-DDC9-0B29-BB40-38103CB2FE9C}"/>
+                <a16:creationId xmlns:a16="http://schemas.microsoft.com/office/drawing/2014/main" id="{82E8D709-5C74-6D44-7DC5-029CD7103EAA}"/>
               </a:ext>
             </a:extLst>
           </p:cNvPr>
@@ -2196,7 +2196,7 @@
           <p:cNvPr id="3" name="内容占位符 2">
             <a:extLst>
               <a:ext uri="{FF2B5EF4-FFF2-40B4-BE49-F238E27FC236}">
-                <a16:creationId xmlns:a16="http://schemas.microsoft.com/office/drawing/2014/main" id="{8856F229-D251-D317-DA81-497A368795AD}"/>
+                <a16:creationId xmlns:a16="http://schemas.microsoft.com/office/drawing/2014/main" id="{511C72CE-F00D-3616-7293-9BF89C728359}"/>
               </a:ext>
             </a:extLst>
           </p:cNvPr>
@@ -2286,7 +2286,7 @@
           <p:cNvPr id="4" name="文本占位符 3">
             <a:extLst>
               <a:ext uri="{FF2B5EF4-FFF2-40B4-BE49-F238E27FC236}">
-                <a16:creationId xmlns:a16="http://schemas.microsoft.com/office/drawing/2014/main" id="{BFCD3CB5-641F-F271-8EBA-52132D233310}"/>
+                <a16:creationId xmlns:a16="http://schemas.microsoft.com/office/drawing/2014/main" id="{A88450FA-9155-000F-1CBE-1CBD9D0F54CC}"/>
               </a:ext>
             </a:extLst>
           </p:cNvPr>
@@ -2357,7 +2357,7 @@
           <p:cNvPr id="5" name="日期占位符 4">
             <a:extLst>
               <a:ext uri="{FF2B5EF4-FFF2-40B4-BE49-F238E27FC236}">
-                <a16:creationId xmlns:a16="http://schemas.microsoft.com/office/drawing/2014/main" id="{70C10E6C-EF8B-81F8-3349-2A645290DF2C}"/>
+                <a16:creationId xmlns:a16="http://schemas.microsoft.com/office/drawing/2014/main" id="{D5CBA5CF-0AA1-CA77-2E85-CE78F24035D0}"/>
               </a:ext>
             </a:extLst>
           </p:cNvPr>
@@ -2373,7 +2373,7 @@
           <a:bodyPr/>
           <a:lstStyle/>
           <a:p>
-            <a:fld id="{1275ED0C-83DB-4BB8-BA34-EA074BD56BB2}" type="datetimeFigureOut">
+            <a:fld id="{CC5579D5-343C-4863-AC27-FA7DF0EC8208}" type="datetimeFigureOut">
               <a:rPr lang="zh-CN" altLang="en-US" smtClean="0"/>
               <a:t>2024/3/10</a:t>
             </a:fld>
@@ -2386,7 +2386,7 @@
           <p:cNvPr id="6" name="页脚占位符 5">
             <a:extLst>
               <a:ext uri="{FF2B5EF4-FFF2-40B4-BE49-F238E27FC236}">
-                <a16:creationId xmlns:a16="http://schemas.microsoft.com/office/drawing/2014/main" id="{8B89D87D-4C8C-3ACA-7DAE-5B7ECAE47871}"/>
+                <a16:creationId xmlns:a16="http://schemas.microsoft.com/office/drawing/2014/main" id="{1D877090-BD41-CFAD-6AE1-90F23B3E1530}"/>
               </a:ext>
             </a:extLst>
           </p:cNvPr>
@@ -2411,7 +2411,7 @@
           <p:cNvPr id="7" name="灯片编号占位符 6">
             <a:extLst>
               <a:ext uri="{FF2B5EF4-FFF2-40B4-BE49-F238E27FC236}">
-                <a16:creationId xmlns:a16="http://schemas.microsoft.com/office/drawing/2014/main" id="{A746712A-4AEA-EB13-703C-04CCF992A6EB}"/>
+                <a16:creationId xmlns:a16="http://schemas.microsoft.com/office/drawing/2014/main" id="{73B2BF63-17FB-5532-094F-0ACE9B413B68}"/>
               </a:ext>
             </a:extLst>
           </p:cNvPr>
@@ -2427,7 +2427,7 @@
           <a:bodyPr/>
           <a:lstStyle/>
           <a:p>
-            <a:fld id="{65A5D0E7-93A4-4F7F-B9CE-4E4481DB573E}" type="slidenum">
+            <a:fld id="{97263AED-3E0D-423A-A395-D79813E4DD5D}" type="slidenum">
               <a:rPr lang="zh-CN" altLang="en-US" smtClean="0"/>
               <a:t>‹#›</a:t>
             </a:fld>
@@ -2438,7 +2438,7 @@
     </p:spTree>
     <p:extLst>
       <p:ext uri="{BB962C8B-B14F-4D97-AF65-F5344CB8AC3E}">
-        <p14:creationId xmlns:p14="http://schemas.microsoft.com/office/powerpoint/2010/main" val="389066192"/>
+        <p14:creationId xmlns:p14="http://schemas.microsoft.com/office/powerpoint/2010/main" val="1841662406"/>
       </p:ext>
     </p:extLst>
   </p:cSld>
@@ -2470,7 +2470,7 @@
           <p:cNvPr id="2" name="标题 1">
             <a:extLst>
               <a:ext uri="{FF2B5EF4-FFF2-40B4-BE49-F238E27FC236}">
-                <a16:creationId xmlns:a16="http://schemas.microsoft.com/office/drawing/2014/main" id="{E996204A-6CF2-ED36-D08E-9FE83BFA4D44}"/>
+                <a16:creationId xmlns:a16="http://schemas.microsoft.com/office/drawing/2014/main" id="{7AB211D0-B50E-2344-FCD1-A717A577361F}"/>
               </a:ext>
             </a:extLst>
           </p:cNvPr>
@@ -2507,7 +2507,7 @@
           <p:cNvPr id="3" name="图片占位符 2">
             <a:extLst>
               <a:ext uri="{FF2B5EF4-FFF2-40B4-BE49-F238E27FC236}">
-                <a16:creationId xmlns:a16="http://schemas.microsoft.com/office/drawing/2014/main" id="{7580FF51-E126-8342-78F7-82036930D8D5}"/>
+                <a16:creationId xmlns:a16="http://schemas.microsoft.com/office/drawing/2014/main" id="{E0832BED-9581-1408-80CB-1BD80D77E461}"/>
               </a:ext>
             </a:extLst>
           </p:cNvPr>
@@ -2574,7 +2574,7 @@
           <p:cNvPr id="4" name="文本占位符 3">
             <a:extLst>
               <a:ext uri="{FF2B5EF4-FFF2-40B4-BE49-F238E27FC236}">
-                <a16:creationId xmlns:a16="http://schemas.microsoft.com/office/drawing/2014/main" id="{3E23B1FE-357C-11F0-4F98-5F17E9729E7F}"/>
+                <a16:creationId xmlns:a16="http://schemas.microsoft.com/office/drawing/2014/main" id="{FCCA0060-9FE6-EFEA-E922-E878DFF4D885}"/>
               </a:ext>
             </a:extLst>
           </p:cNvPr>
@@ -2645,7 +2645,7 @@
           <p:cNvPr id="5" name="日期占位符 4">
             <a:extLst>
               <a:ext uri="{FF2B5EF4-FFF2-40B4-BE49-F238E27FC236}">
-                <a16:creationId xmlns:a16="http://schemas.microsoft.com/office/drawing/2014/main" id="{9DA3E2A9-2CE0-0DCF-F55C-CC81065DD4C6}"/>
+                <a16:creationId xmlns:a16="http://schemas.microsoft.com/office/drawing/2014/main" id="{BC72B9EA-C79D-9544-CB94-097A3D559235}"/>
               </a:ext>
             </a:extLst>
           </p:cNvPr>
@@ -2661,7 +2661,7 @@
           <a:bodyPr/>
           <a:lstStyle/>
           <a:p>
-            <a:fld id="{1275ED0C-83DB-4BB8-BA34-EA074BD56BB2}" type="datetimeFigureOut">
+            <a:fld id="{CC5579D5-343C-4863-AC27-FA7DF0EC8208}" type="datetimeFigureOut">
               <a:rPr lang="zh-CN" altLang="en-US" smtClean="0"/>
               <a:t>2024/3/10</a:t>
             </a:fld>
@@ -2674,7 +2674,7 @@
           <p:cNvPr id="6" name="页脚占位符 5">
             <a:extLst>
               <a:ext uri="{FF2B5EF4-FFF2-40B4-BE49-F238E27FC236}">
-                <a16:creationId xmlns:a16="http://schemas.microsoft.com/office/drawing/2014/main" id="{15ED00AC-1C42-F3CF-2110-FE286C0266F5}"/>
+                <a16:creationId xmlns:a16="http://schemas.microsoft.com/office/drawing/2014/main" id="{394D5C65-6F88-3BA3-EBE3-A6EC523D6B8B}"/>
               </a:ext>
             </a:extLst>
           </p:cNvPr>
@@ -2699,7 +2699,7 @@
           <p:cNvPr id="7" name="灯片编号占位符 6">
             <a:extLst>
               <a:ext uri="{FF2B5EF4-FFF2-40B4-BE49-F238E27FC236}">
-                <a16:creationId xmlns:a16="http://schemas.microsoft.com/office/drawing/2014/main" id="{5D446B3C-3330-69F1-020C-DEA57AEDD4B4}"/>
+                <a16:creationId xmlns:a16="http://schemas.microsoft.com/office/drawing/2014/main" id="{70632D4F-EA6B-9740-EA7A-81F0656436EE}"/>
               </a:ext>
             </a:extLst>
           </p:cNvPr>
@@ -2715,7 +2715,7 @@
           <a:bodyPr/>
           <a:lstStyle/>
           <a:p>
-            <a:fld id="{65A5D0E7-93A4-4F7F-B9CE-4E4481DB573E}" type="slidenum">
+            <a:fld id="{97263AED-3E0D-423A-A395-D79813E4DD5D}" type="slidenum">
               <a:rPr lang="zh-CN" altLang="en-US" smtClean="0"/>
               <a:t>‹#›</a:t>
             </a:fld>
@@ -2726,7 +2726,7 @@
     </p:spTree>
     <p:extLst>
       <p:ext uri="{BB962C8B-B14F-4D97-AF65-F5344CB8AC3E}">
-        <p14:creationId xmlns:p14="http://schemas.microsoft.com/office/powerpoint/2010/main" val="2026983650"/>
+        <p14:creationId xmlns:p14="http://schemas.microsoft.com/office/powerpoint/2010/main" val="74059038"/>
       </p:ext>
     </p:extLst>
   </p:cSld>
@@ -2763,7 +2763,7 @@
           <p:cNvPr id="2" name="标题占位符 1">
             <a:extLst>
               <a:ext uri="{FF2B5EF4-FFF2-40B4-BE49-F238E27FC236}">
-                <a16:creationId xmlns:a16="http://schemas.microsoft.com/office/drawing/2014/main" id="{B71DD4E6-DBE1-1A7F-E531-C7B1E0714B81}"/>
+                <a16:creationId xmlns:a16="http://schemas.microsoft.com/office/drawing/2014/main" id="{97752FE3-145A-FC41-3E78-32E76D0E1EB6}"/>
               </a:ext>
             </a:extLst>
           </p:cNvPr>
@@ -2801,7 +2801,7 @@
           <p:cNvPr id="3" name="文本占位符 2">
             <a:extLst>
               <a:ext uri="{FF2B5EF4-FFF2-40B4-BE49-F238E27FC236}">
-                <a16:creationId xmlns:a16="http://schemas.microsoft.com/office/drawing/2014/main" id="{DCDC2D43-1AB0-C426-3E92-A7A7758DBBF0}"/>
+                <a16:creationId xmlns:a16="http://schemas.microsoft.com/office/drawing/2014/main" id="{FBC4CA7E-DDF4-825A-FA9C-7EF7D2C977DC}"/>
               </a:ext>
             </a:extLst>
           </p:cNvPr>
@@ -2868,7 +2868,7 @@
           <p:cNvPr id="4" name="日期占位符 3">
             <a:extLst>
               <a:ext uri="{FF2B5EF4-FFF2-40B4-BE49-F238E27FC236}">
-                <a16:creationId xmlns:a16="http://schemas.microsoft.com/office/drawing/2014/main" id="{BBDA0F52-F129-CB86-8F89-54FC6FBDBBA7}"/>
+                <a16:creationId xmlns:a16="http://schemas.microsoft.com/office/drawing/2014/main" id="{E18E1016-3AC2-92A1-6946-D3650A64A5D5}"/>
               </a:ext>
             </a:extLst>
           </p:cNvPr>
@@ -2902,7 +2902,7 @@
             </a:lvl1pPr>
           </a:lstStyle>
           <a:p>
-            <a:fld id="{1275ED0C-83DB-4BB8-BA34-EA074BD56BB2}" type="datetimeFigureOut">
+            <a:fld id="{CC5579D5-343C-4863-AC27-FA7DF0EC8208}" type="datetimeFigureOut">
               <a:rPr lang="zh-CN" altLang="en-US" smtClean="0"/>
               <a:t>2024/3/10</a:t>
             </a:fld>
@@ -2915,7 +2915,7 @@
           <p:cNvPr id="5" name="页脚占位符 4">
             <a:extLst>
               <a:ext uri="{FF2B5EF4-FFF2-40B4-BE49-F238E27FC236}">
-                <a16:creationId xmlns:a16="http://schemas.microsoft.com/office/drawing/2014/main" id="{5880708A-F2BB-22F5-71C0-C1037C7C95A6}"/>
+                <a16:creationId xmlns:a16="http://schemas.microsoft.com/office/drawing/2014/main" id="{8BB8577F-453E-09A6-9FAD-05D403CF16C2}"/>
               </a:ext>
             </a:extLst>
           </p:cNvPr>
@@ -2958,7 +2958,7 @@
           <p:cNvPr id="6" name="灯片编号占位符 5">
             <a:extLst>
               <a:ext uri="{FF2B5EF4-FFF2-40B4-BE49-F238E27FC236}">
-                <a16:creationId xmlns:a16="http://schemas.microsoft.com/office/drawing/2014/main" id="{6E5A1DD3-CA6A-DB15-0344-2D9723EBACC9}"/>
+                <a16:creationId xmlns:a16="http://schemas.microsoft.com/office/drawing/2014/main" id="{0EF5094C-D1E3-45F1-ABE8-B52C864EE12C}"/>
               </a:ext>
             </a:extLst>
           </p:cNvPr>
@@ -2992,7 +2992,7 @@
             </a:lvl1pPr>
           </a:lstStyle>
           <a:p>
-            <a:fld id="{65A5D0E7-93A4-4F7F-B9CE-4E4481DB573E}" type="slidenum">
+            <a:fld id="{97263AED-3E0D-423A-A395-D79813E4DD5D}" type="slidenum">
               <a:rPr lang="zh-CN" altLang="en-US" smtClean="0"/>
               <a:t>‹#›</a:t>
             </a:fld>
@@ -3003,7 +3003,7 @@
     </p:spTree>
     <p:extLst>
       <p:ext uri="{BB962C8B-B14F-4D97-AF65-F5344CB8AC3E}">
-        <p14:creationId xmlns:p14="http://schemas.microsoft.com/office/powerpoint/2010/main" val="2751562133"/>
+        <p14:creationId xmlns:p14="http://schemas.microsoft.com/office/powerpoint/2010/main" val="3832967840"/>
       </p:ext>
     </p:extLst>
   </p:cSld>
@@ -3323,7 +3323,7 @@
       </p:grpSpPr>
       <p:pic>
         <p:nvPicPr>
-          <p:cNvPr id="487426" name="Picture 2" descr="475"/>
+          <p:cNvPr id="488450" name="Picture 2" descr="476"/>
           <p:cNvPicPr>
             <a:picLocks noChangeAspect="1" noChangeArrowheads="1"/>
           </p:cNvPicPr>
